--- a/Day2/Exercise_2_Programming.pptx
+++ b/Day2/Exercise_2_Programming.pptx
@@ -295,7 +295,7 @@
             <a:fld id="{F01358B9-E8F9-423E-A986-6101FB74A0DD}" type="datetimeFigureOut">
               <a:rPr lang="de-DE" smtClean="0"/>
               <a:pPr/>
-              <a:t>29.07.2021</a:t>
+              <a:t>09.08.2021</a:t>
             </a:fld>
             <a:endParaRPr lang="de-DE"/>
           </a:p>
@@ -462,7 +462,7 @@
             <a:fld id="{E1B3256F-A9C5-4A4A-B811-6EFE99DD3B7B}" type="datetimeFigureOut">
               <a:rPr lang="de-DE" smtClean="0"/>
               <a:pPr/>
-              <a:t>29.07.2021</a:t>
+              <a:t>09.08.2021</a:t>
             </a:fld>
             <a:endParaRPr lang="de-DE"/>
           </a:p>
@@ -29466,7 +29466,7 @@
           <a:p>
             <a:r>
               <a:rPr lang="en-US" dirty="0"/>
-              <a:t>Exercises</a:t>
+              <a:t>Exercises – Leap Access</a:t>
             </a:r>
           </a:p>
         </p:txBody>
@@ -29528,12 +29528,9 @@
               <a:rPr lang="en-US" dirty="0">
                 <a:hlinkClick r:id="rId2"/>
               </a:rPr>
-              <a:t>https://github.com/dwave-training/cdl_2021_python</a:t>
+              <a:t>https://github.com/CornerstonesQC/Annealing_Challenges</a:t>
             </a:r>
-            <a:r>
-              <a:rPr lang="en-US" dirty="0"/>
-              <a:t> </a:t>
-            </a:r>
+            <a:endParaRPr lang="en-US" dirty="0"/>
           </a:p>
           <a:p>
             <a:pPr marL="746522" lvl="1" indent="-342900">
@@ -29542,7 +29539,7 @@
             </a:pPr>
             <a:r>
               <a:rPr lang="en-US" dirty="0"/>
-              <a:t>This is where the exercises and instructions are. Note that both the set partitioning and max cut exercises are here</a:t>
+              <a:t>The instructions are in the ReadMe and the exercises are in the Day 2 folder. Note that both the set partitioning and max cut exercises are here.</a:t>
             </a:r>
           </a:p>
           <a:p>
@@ -29589,12 +29586,33 @@
               <a:rPr lang="en-US" dirty="0">
                 <a:hlinkClick r:id="rId4"/>
               </a:rPr>
-              <a:t>https://ide.dwavesys.io/#https://github.com/dwave-training/cdl_2021_python</a:t>
+              <a:t>https://ide.dwavesys.io/#https:// github.com/</a:t>
             </a:r>
             <a:r>
-              <a:rPr lang="en-US" dirty="0"/>
+              <a:rPr lang="en-US" dirty="0" err="1">
+                <a:hlinkClick r:id="rId4"/>
+              </a:rPr>
+              <a:t>CornerstonesQC</a:t>
+            </a:r>
+            <a:r>
+              <a:rPr lang="en-US" dirty="0">
+                <a:hlinkClick r:id="rId4"/>
+              </a:rPr>
+              <a:t>/</a:t>
+            </a:r>
+            <a:r>
+              <a:rPr lang="en-US" dirty="0" err="1">
+                <a:hlinkClick r:id="rId4"/>
+              </a:rPr>
+              <a:t>Annealing_Challenges</a:t>
+            </a:r>
+            <a:r>
+              <a:rPr lang="en-US" dirty="0">
+                <a:hlinkClick r:id="rId4"/>
+              </a:rPr>
               <a:t> </a:t>
             </a:r>
+            <a:endParaRPr lang="en-US" dirty="0"/>
           </a:p>
           <a:p>
             <a:pPr marL="746522" lvl="1" indent="-342900">
@@ -29666,7 +29684,7 @@
           <a:p>
             <a:r>
               <a:rPr lang="en-US" dirty="0"/>
-              <a:t>Exercises</a:t>
+              <a:t>Exercises – No Leap Access</a:t>
             </a:r>
           </a:p>
         </p:txBody>
@@ -29699,7 +29717,11 @@
           <a:p>
             <a:r>
               <a:rPr lang="en-US" dirty="0"/>
-              <a:t>If you DO NOT have access to Leap</a:t>
+              <a:t>If you </a:t>
+            </a:r>
+            <a:r>
+              <a:rPr lang="en-US" b="1" dirty="0"/>
+              <a:t>DO NOT have access to Leap</a:t>
             </a:r>
           </a:p>
           <a:p>
@@ -29732,7 +29754,7 @@
             </a:pPr>
             <a:r>
               <a:rPr lang="en-US" dirty="0"/>
-              <a:t>Open and clone or copy the code in the exercises folder here: </a:t>
+              <a:t>Open and clone or copy the code in the Day 2 folder here: </a:t>
             </a:r>
             <a:br>
               <a:rPr lang="en-US" dirty="0"/>
@@ -29741,12 +29763,15 @@
               <a:rPr lang="en-US" dirty="0">
                 <a:hlinkClick r:id="rId3"/>
               </a:rPr>
-              <a:t>https://github.com/dwave-training/cdl_2021_python</a:t>
+              <a:t>https://github.com/</a:t>
             </a:r>
             <a:r>
-              <a:rPr lang="en-US" dirty="0"/>
-              <a:t> </a:t>
+              <a:rPr lang="en-US" dirty="0">
+                <a:hlinkClick r:id="rId4"/>
+              </a:rPr>
+              <a:t>CornerstonesQC/Annealing_Challenges</a:t>
             </a:r>
+            <a:endParaRPr lang="en-US" dirty="0"/>
           </a:p>
           <a:p>
             <a:pPr marL="746522" lvl="1" indent="-342900">
@@ -29755,7 +29780,7 @@
             </a:pPr>
             <a:r>
               <a:rPr lang="en-US" dirty="0"/>
-              <a:t>This is where the exercises and instructions are. Note that both the set partitioning and max cut exercises are here</a:t>
+              <a:t>The instructions are in the ReadMe and the exercises are in the Day 2 folder. Note that both the set partitioning and max cut exercises are here </a:t>
             </a:r>
           </a:p>
           <a:p>
@@ -30011,7 +30036,7 @@
           <a:p>
             <a:r>
               <a:rPr lang="en-US" sz="1400" dirty="0">
-                <a:hlinkClick r:id="rId4"/>
+                <a:hlinkClick r:id="rId5"/>
               </a:rPr>
               <a:t>https://docs.ocean.dwavesys.com/en/latest/docs_neal/sdk_index.html</a:t>
             </a:r>
@@ -30187,8 +30212,8 @@
           </a:p>
         </p:txBody>
       </p:sp>
-      <mc:AlternateContent xmlns:mc="http://schemas.openxmlformats.org/markup-compatibility/2006">
-        <mc:Choice xmlns:a14="http://schemas.microsoft.com/office/drawing/2010/main" Requires="a14">
+      <mc:AlternateContent xmlns:mc="http://schemas.openxmlformats.org/markup-compatibility/2006" xmlns:a14="http://schemas.microsoft.com/office/drawing/2010/main">
+        <mc:Choice Requires="a14">
           <p:graphicFrame>
             <p:nvGraphicFramePr>
               <p:cNvPr id="10" name="Table 9">
@@ -30946,7 +30971,7 @@
             </a:graphic>
           </p:graphicFrame>
         </mc:Choice>
-        <mc:Fallback>
+        <mc:Fallback xmlns="">
           <p:graphicFrame>
             <p:nvGraphicFramePr>
               <p:cNvPr id="10" name="Table 9">
@@ -31621,8 +31646,8 @@
           </p:graphicFrame>
         </mc:Fallback>
       </mc:AlternateContent>
-      <mc:AlternateContent xmlns:mc="http://schemas.openxmlformats.org/markup-compatibility/2006">
-        <mc:Choice xmlns:a14="http://schemas.microsoft.com/office/drawing/2010/main" Requires="a14">
+      <mc:AlternateContent xmlns:mc="http://schemas.openxmlformats.org/markup-compatibility/2006" xmlns:a14="http://schemas.microsoft.com/office/drawing/2010/main">
+        <mc:Choice Requires="a14">
           <p:sp>
             <p:nvSpPr>
               <p:cNvPr id="13" name="Rectangle 12">
@@ -31971,7 +31996,7 @@
             </p:txBody>
           </p:sp>
         </mc:Choice>
-        <mc:Fallback>
+        <mc:Fallback xmlns="">
           <p:sp>
             <p:nvSpPr>
               <p:cNvPr id="13" name="Rectangle 12">
@@ -34090,8 +34115,8 @@
           </a:p>
         </p:txBody>
       </p:sp>
-      <mc:AlternateContent xmlns:mc="http://schemas.openxmlformats.org/markup-compatibility/2006">
-        <mc:Choice xmlns:a14="http://schemas.microsoft.com/office/drawing/2010/main" Requires="a14">
+      <mc:AlternateContent xmlns:mc="http://schemas.openxmlformats.org/markup-compatibility/2006" xmlns:a14="http://schemas.microsoft.com/office/drawing/2010/main">
+        <mc:Choice Requires="a14">
           <p:sp>
             <p:nvSpPr>
               <p:cNvPr id="5" name="Rectangle 4">
@@ -34351,7 +34376,7 @@
             </p:txBody>
           </p:sp>
         </mc:Choice>
-        <mc:Fallback>
+        <mc:Fallback xmlns="">
           <p:sp>
             <p:nvSpPr>
               <p:cNvPr id="5" name="Rectangle 4">
@@ -35212,12 +35237,6 @@
 </file>
 
 <file path=customXml/item1.xml><?xml version="1.0" encoding="utf-8"?>
-<p:properties xmlns:p="http://schemas.microsoft.com/office/2006/metadata/properties" xmlns:xsi="http://www.w3.org/2001/XMLSchema-instance" xmlns:pc="http://schemas.microsoft.com/office/infopath/2007/PartnerControls">
-  <documentManagement/>
-</p:properties>
-</file>
-
-<file path=customXml/item2.xml><?xml version="1.0" encoding="utf-8"?>
 <ct:contentTypeSchema xmlns:ct="http://schemas.microsoft.com/office/2006/metadata/contentType" xmlns:ma="http://schemas.microsoft.com/office/2006/metadata/properties/metaAttributes" ct:_="" ma:_="" ma:contentTypeName="Document" ma:contentTypeID="0x0101009842AE9302382849BAA995B0249B715E" ma:contentTypeVersion="7" ma:contentTypeDescription="Create a new document." ma:contentTypeScope="" ma:versionID="22d9707dbdb52e408f7f455f5c364714">
   <xsd:schema xmlns:xsd="http://www.w3.org/2001/XMLSchema" xmlns:xs="http://www.w3.org/2001/XMLSchema" xmlns:p="http://schemas.microsoft.com/office/2006/metadata/properties" xmlns:ns3="557433ba-fdc0-4c80-a994-0ada62631150" xmlns:ns4="e3257693-1a41-41dd-9875-ae3bf51b9c62" targetNamespace="http://schemas.microsoft.com/office/2006/metadata/properties" ma:root="true" ma:fieldsID="ab6938d956aea97a21f8cca5b010e857" ns3:_="" ns4:_="">
     <xsd:import namespace="557433ba-fdc0-4c80-a994-0ada62631150"/>
@@ -35402,6 +35421,12 @@
 </ct:contentTypeSchema>
 </file>
 
+<file path=customXml/item2.xml><?xml version="1.0" encoding="utf-8"?>
+<p:properties xmlns:p="http://schemas.microsoft.com/office/2006/metadata/properties" xmlns:xsi="http://www.w3.org/2001/XMLSchema-instance" xmlns:pc="http://schemas.microsoft.com/office/infopath/2007/PartnerControls">
+  <documentManagement/>
+</p:properties>
+</file>
+
 <file path=customXml/item3.xml><?xml version="1.0" encoding="utf-8"?>
 <?mso-contentType ?>
 <FormTemplates xmlns="http://schemas.microsoft.com/sharepoint/v3/contenttype/forms">
@@ -35412,23 +35437,6 @@
 </file>
 
 <file path=customXml/itemProps1.xml><?xml version="1.0" encoding="utf-8"?>
-<ds:datastoreItem xmlns:ds="http://schemas.openxmlformats.org/officeDocument/2006/customXml" ds:itemID="{A868C03C-713E-499E-879E-6FCC4DD9F18E}">
-  <ds:schemaRefs>
-    <ds:schemaRef ds:uri="557433ba-fdc0-4c80-a994-0ada62631150"/>
-    <ds:schemaRef ds:uri="http://purl.org/dc/elements/1.1/"/>
-    <ds:schemaRef ds:uri="http://www.w3.org/XML/1998/namespace"/>
-    <ds:schemaRef ds:uri="http://purl.org/dc/dcmitype/"/>
-    <ds:schemaRef ds:uri="e3257693-1a41-41dd-9875-ae3bf51b9c62"/>
-    <ds:schemaRef ds:uri="http://purl.org/dc/terms/"/>
-    <ds:schemaRef ds:uri="http://schemas.microsoft.com/office/2006/documentManagement/types"/>
-    <ds:schemaRef ds:uri="http://schemas.microsoft.com/office/infopath/2007/PartnerControls"/>
-    <ds:schemaRef ds:uri="http://schemas.openxmlformats.org/package/2006/metadata/core-properties"/>
-    <ds:schemaRef ds:uri="http://schemas.microsoft.com/office/2006/metadata/properties"/>
-  </ds:schemaRefs>
-</ds:datastoreItem>
-</file>
-
-<file path=customXml/itemProps2.xml><?xml version="1.0" encoding="utf-8"?>
 <ds:datastoreItem xmlns:ds="http://schemas.openxmlformats.org/officeDocument/2006/customXml" ds:itemID="{D3CD6F77-3678-48F8-99FF-13C05172DE96}">
   <ds:schemaRefs>
     <ds:schemaRef ds:uri="557433ba-fdc0-4c80-a994-0ada62631150"/>
@@ -35447,6 +35455,23 @@
 </ds:datastoreItem>
 </file>
 
+<file path=customXml/itemProps2.xml><?xml version="1.0" encoding="utf-8"?>
+<ds:datastoreItem xmlns:ds="http://schemas.openxmlformats.org/officeDocument/2006/customXml" ds:itemID="{A868C03C-713E-499E-879E-6FCC4DD9F18E}">
+  <ds:schemaRefs>
+    <ds:schemaRef ds:uri="557433ba-fdc0-4c80-a994-0ada62631150"/>
+    <ds:schemaRef ds:uri="http://purl.org/dc/elements/1.1/"/>
+    <ds:schemaRef ds:uri="http://www.w3.org/XML/1998/namespace"/>
+    <ds:schemaRef ds:uri="http://purl.org/dc/dcmitype/"/>
+    <ds:schemaRef ds:uri="e3257693-1a41-41dd-9875-ae3bf51b9c62"/>
+    <ds:schemaRef ds:uri="http://purl.org/dc/terms/"/>
+    <ds:schemaRef ds:uri="http://schemas.microsoft.com/office/2006/documentManagement/types"/>
+    <ds:schemaRef ds:uri="http://schemas.microsoft.com/office/infopath/2007/PartnerControls"/>
+    <ds:schemaRef ds:uri="http://schemas.openxmlformats.org/package/2006/metadata/core-properties"/>
+    <ds:schemaRef ds:uri="http://schemas.microsoft.com/office/2006/metadata/properties"/>
+  </ds:schemaRefs>
+</ds:datastoreItem>
+</file>
+
 <file path=customXml/itemProps3.xml><?xml version="1.0" encoding="utf-8"?>
 <ds:datastoreItem xmlns:ds="http://schemas.openxmlformats.org/officeDocument/2006/customXml" ds:itemID="{345D7B3E-C356-4698-B6E1-6ED77299FF68}">
   <ds:schemaRefs>
